--- a/pipeline-presentation.pptx
+++ b/pipeline-presentation.pptx
@@ -274,7 +274,7 @@
           <a:p>
             <a:fld id="{0A23AAA6-BF7B-4FEC-85E7-BD661C1F4DAA}" type="datetimeFigureOut">
               <a:rPr lang="en-US" smtClean="0"/>
-              <a:t>11/9/2023</a:t>
+              <a:t>11/13/2023</a:t>
             </a:fld>
             <a:endParaRPr lang="en-US"/>
           </a:p>
@@ -472,7 +472,7 @@
           <a:p>
             <a:fld id="{0A23AAA6-BF7B-4FEC-85E7-BD661C1F4DAA}" type="datetimeFigureOut">
               <a:rPr lang="en-US" smtClean="0"/>
-              <a:t>11/9/2023</a:t>
+              <a:t>11/13/2023</a:t>
             </a:fld>
             <a:endParaRPr lang="en-US"/>
           </a:p>
@@ -680,7 +680,7 @@
           <a:p>
             <a:fld id="{0A23AAA6-BF7B-4FEC-85E7-BD661C1F4DAA}" type="datetimeFigureOut">
               <a:rPr lang="en-US" smtClean="0"/>
-              <a:t>11/9/2023</a:t>
+              <a:t>11/13/2023</a:t>
             </a:fld>
             <a:endParaRPr lang="en-US"/>
           </a:p>
@@ -878,7 +878,7 @@
           <a:p>
             <a:fld id="{0A23AAA6-BF7B-4FEC-85E7-BD661C1F4DAA}" type="datetimeFigureOut">
               <a:rPr lang="en-US" smtClean="0"/>
-              <a:t>11/9/2023</a:t>
+              <a:t>11/13/2023</a:t>
             </a:fld>
             <a:endParaRPr lang="en-US"/>
           </a:p>
@@ -1153,7 +1153,7 @@
           <a:p>
             <a:fld id="{0A23AAA6-BF7B-4FEC-85E7-BD661C1F4DAA}" type="datetimeFigureOut">
               <a:rPr lang="en-US" smtClean="0"/>
-              <a:t>11/9/2023</a:t>
+              <a:t>11/13/2023</a:t>
             </a:fld>
             <a:endParaRPr lang="en-US"/>
           </a:p>
@@ -1418,7 +1418,7 @@
           <a:p>
             <a:fld id="{0A23AAA6-BF7B-4FEC-85E7-BD661C1F4DAA}" type="datetimeFigureOut">
               <a:rPr lang="en-US" smtClean="0"/>
-              <a:t>11/9/2023</a:t>
+              <a:t>11/13/2023</a:t>
             </a:fld>
             <a:endParaRPr lang="en-US"/>
           </a:p>
@@ -1830,7 +1830,7 @@
           <a:p>
             <a:fld id="{0A23AAA6-BF7B-4FEC-85E7-BD661C1F4DAA}" type="datetimeFigureOut">
               <a:rPr lang="en-US" smtClean="0"/>
-              <a:t>11/9/2023</a:t>
+              <a:t>11/13/2023</a:t>
             </a:fld>
             <a:endParaRPr lang="en-US"/>
           </a:p>
@@ -1971,7 +1971,7 @@
           <a:p>
             <a:fld id="{0A23AAA6-BF7B-4FEC-85E7-BD661C1F4DAA}" type="datetimeFigureOut">
               <a:rPr lang="en-US" smtClean="0"/>
-              <a:t>11/9/2023</a:t>
+              <a:t>11/13/2023</a:t>
             </a:fld>
             <a:endParaRPr lang="en-US"/>
           </a:p>
@@ -2084,7 +2084,7 @@
           <a:p>
             <a:fld id="{0A23AAA6-BF7B-4FEC-85E7-BD661C1F4DAA}" type="datetimeFigureOut">
               <a:rPr lang="en-US" smtClean="0"/>
-              <a:t>11/9/2023</a:t>
+              <a:t>11/13/2023</a:t>
             </a:fld>
             <a:endParaRPr lang="en-US"/>
           </a:p>
@@ -2395,7 +2395,7 @@
           <a:p>
             <a:fld id="{0A23AAA6-BF7B-4FEC-85E7-BD661C1F4DAA}" type="datetimeFigureOut">
               <a:rPr lang="en-US" smtClean="0"/>
-              <a:t>11/9/2023</a:t>
+              <a:t>11/13/2023</a:t>
             </a:fld>
             <a:endParaRPr lang="en-US"/>
           </a:p>
@@ -2683,7 +2683,7 @@
           <a:p>
             <a:fld id="{0A23AAA6-BF7B-4FEC-85E7-BD661C1F4DAA}" type="datetimeFigureOut">
               <a:rPr lang="en-US" smtClean="0"/>
-              <a:t>11/9/2023</a:t>
+              <a:t>11/13/2023</a:t>
             </a:fld>
             <a:endParaRPr lang="en-US"/>
           </a:p>
@@ -2924,7 +2924,7 @@
           <a:p>
             <a:fld id="{0A23AAA6-BF7B-4FEC-85E7-BD661C1F4DAA}" type="datetimeFigureOut">
               <a:rPr lang="en-US" smtClean="0"/>
-              <a:t>11/9/2023</a:t>
+              <a:t>11/13/2023</a:t>
             </a:fld>
             <a:endParaRPr lang="en-US"/>
           </a:p>
@@ -4756,12 +4756,8 @@
               <a:t>./</a:t>
             </a:r>
             <a:r>
-              <a:rPr lang="en-US" b="1" dirty="0" err="1"/>
-              <a:t>PowerBITrinoConnector</a:t>
-            </a:r>
-            <a:r>
-              <a:rPr lang="en-US" b="1" dirty="0"/>
-              <a:t>/</a:t>
+              <a:rPr lang="en-US" b="1"/>
+              <a:t>TrinoConnector/</a:t>
             </a:r>
             <a:r>
               <a:rPr lang="en-US" b="1" dirty="0" err="1"/>
